--- a/powerpoints/4_Service.pptx
+++ b/powerpoints/4_Service.pptx
@@ -216,7 +216,7 @@
           <a:p>
             <a:fld id="{46DC40B4-2992-4900-9122-5021376C8B42}" type="datetimeFigureOut">
               <a:rPr lang="en-US" smtClean="0"/>
-              <a:t>5/28/2019</a:t>
+              <a:t>5/30/2019</a:t>
             </a:fld>
             <a:endParaRPr lang="en-US"/>
           </a:p>
@@ -2107,7 +2107,7 @@
           <a:p>
             <a:fld id="{D91C5C98-252C-4665-81BB-11EE2689C6F7}" type="datetimeFigureOut">
               <a:rPr lang="en-US" smtClean="0"/>
-              <a:t>5/28/2019</a:t>
+              <a:t>5/30/2019</a:t>
             </a:fld>
             <a:endParaRPr lang="en-US"/>
           </a:p>
@@ -2358,7 +2358,7 @@
           <a:p>
             <a:fld id="{D91C5C98-252C-4665-81BB-11EE2689C6F7}" type="datetimeFigureOut">
               <a:rPr lang="en-US" smtClean="0"/>
-              <a:t>5/28/2019</a:t>
+              <a:t>5/30/2019</a:t>
             </a:fld>
             <a:endParaRPr lang="en-US"/>
           </a:p>
@@ -2672,7 +2672,7 @@
           <a:p>
             <a:fld id="{D91C5C98-252C-4665-81BB-11EE2689C6F7}" type="datetimeFigureOut">
               <a:rPr lang="en-US" smtClean="0"/>
-              <a:t>5/28/2019</a:t>
+              <a:t>5/30/2019</a:t>
             </a:fld>
             <a:endParaRPr lang="en-US"/>
           </a:p>
@@ -3005,7 +3005,7 @@
           <a:p>
             <a:fld id="{D91C5C98-252C-4665-81BB-11EE2689C6F7}" type="datetimeFigureOut">
               <a:rPr lang="en-US" smtClean="0"/>
-              <a:t>5/28/2019</a:t>
+              <a:t>5/30/2019</a:t>
             </a:fld>
             <a:endParaRPr lang="en-US"/>
           </a:p>
@@ -3319,7 +3319,7 @@
           <a:p>
             <a:fld id="{D91C5C98-252C-4665-81BB-11EE2689C6F7}" type="datetimeFigureOut">
               <a:rPr lang="en-US" smtClean="0"/>
-              <a:t>5/28/2019</a:t>
+              <a:t>5/30/2019</a:t>
             </a:fld>
             <a:endParaRPr lang="en-US"/>
           </a:p>
@@ -3712,7 +3712,7 @@
           <a:p>
             <a:fld id="{D91C5C98-252C-4665-81BB-11EE2689C6F7}" type="datetimeFigureOut">
               <a:rPr lang="en-US" smtClean="0"/>
-              <a:t>5/28/2019</a:t>
+              <a:t>5/30/2019</a:t>
             </a:fld>
             <a:endParaRPr lang="en-US"/>
           </a:p>
@@ -3882,7 +3882,7 @@
           <a:p>
             <a:fld id="{D91C5C98-252C-4665-81BB-11EE2689C6F7}" type="datetimeFigureOut">
               <a:rPr lang="en-US" smtClean="0"/>
-              <a:t>5/28/2019</a:t>
+              <a:t>5/30/2019</a:t>
             </a:fld>
             <a:endParaRPr lang="en-US"/>
           </a:p>
@@ -4062,7 +4062,7 @@
           <a:p>
             <a:fld id="{D91C5C98-252C-4665-81BB-11EE2689C6F7}" type="datetimeFigureOut">
               <a:rPr lang="en-US" smtClean="0"/>
-              <a:t>5/28/2019</a:t>
+              <a:t>5/30/2019</a:t>
             </a:fld>
             <a:endParaRPr lang="en-US"/>
           </a:p>
@@ -4232,7 +4232,7 @@
           <a:p>
             <a:fld id="{D91C5C98-252C-4665-81BB-11EE2689C6F7}" type="datetimeFigureOut">
               <a:rPr lang="en-US" smtClean="0"/>
-              <a:t>5/28/2019</a:t>
+              <a:t>5/30/2019</a:t>
             </a:fld>
             <a:endParaRPr lang="en-US"/>
           </a:p>
@@ -4479,7 +4479,7 @@
           <a:p>
             <a:fld id="{D91C5C98-252C-4665-81BB-11EE2689C6F7}" type="datetimeFigureOut">
               <a:rPr lang="en-US" smtClean="0"/>
-              <a:t>5/28/2019</a:t>
+              <a:t>5/30/2019</a:t>
             </a:fld>
             <a:endParaRPr lang="en-US"/>
           </a:p>
@@ -4711,7 +4711,7 @@
           <a:p>
             <a:fld id="{D91C5C98-252C-4665-81BB-11EE2689C6F7}" type="datetimeFigureOut">
               <a:rPr lang="en-US" smtClean="0"/>
-              <a:t>5/28/2019</a:t>
+              <a:t>5/30/2019</a:t>
             </a:fld>
             <a:endParaRPr lang="en-US"/>
           </a:p>
@@ -5085,7 +5085,7 @@
           <a:p>
             <a:fld id="{D91C5C98-252C-4665-81BB-11EE2689C6F7}" type="datetimeFigureOut">
               <a:rPr lang="en-US" smtClean="0"/>
-              <a:t>5/28/2019</a:t>
+              <a:t>5/30/2019</a:t>
             </a:fld>
             <a:endParaRPr lang="en-US"/>
           </a:p>
@@ -5208,7 +5208,7 @@
           <a:p>
             <a:fld id="{D91C5C98-252C-4665-81BB-11EE2689C6F7}" type="datetimeFigureOut">
               <a:rPr lang="en-US" smtClean="0"/>
-              <a:t>5/28/2019</a:t>
+              <a:t>5/30/2019</a:t>
             </a:fld>
             <a:endParaRPr lang="en-US"/>
           </a:p>
@@ -5303,7 +5303,7 @@
           <a:p>
             <a:fld id="{D91C5C98-252C-4665-81BB-11EE2689C6F7}" type="datetimeFigureOut">
               <a:rPr lang="en-US" smtClean="0"/>
-              <a:t>5/28/2019</a:t>
+              <a:t>5/30/2019</a:t>
             </a:fld>
             <a:endParaRPr lang="en-US"/>
           </a:p>
@@ -5558,7 +5558,7 @@
           <a:p>
             <a:fld id="{D91C5C98-252C-4665-81BB-11EE2689C6F7}" type="datetimeFigureOut">
               <a:rPr lang="en-US" smtClean="0"/>
-              <a:t>5/28/2019</a:t>
+              <a:t>5/30/2019</a:t>
             </a:fld>
             <a:endParaRPr lang="en-US"/>
           </a:p>
@@ -5863,7 +5863,7 @@
           <a:p>
             <a:fld id="{D91C5C98-252C-4665-81BB-11EE2689C6F7}" type="datetimeFigureOut">
               <a:rPr lang="en-US" smtClean="0"/>
-              <a:t>5/28/2019</a:t>
+              <a:t>5/30/2019</a:t>
             </a:fld>
             <a:endParaRPr lang="en-US"/>
           </a:p>
@@ -6565,7 +6565,7 @@
           <a:p>
             <a:fld id="{D91C5C98-252C-4665-81BB-11EE2689C6F7}" type="datetimeFigureOut">
               <a:rPr lang="en-US" smtClean="0"/>
-              <a:t>5/28/2019</a:t>
+              <a:t>5/30/2019</a:t>
             </a:fld>
             <a:endParaRPr lang="en-US"/>
           </a:p>
@@ -7688,6 +7688,66 @@
           <a:xfrm>
             <a:off x="3108614" y="3788235"/>
             <a:ext cx="7846311" cy="1952755"/>
+          </a:xfrm>
+          <a:prstGeom prst="rect">
+            <a:avLst/>
+          </a:prstGeom>
+        </p:spPr>
+      </p:pic>
+      <p:pic>
+        <p:nvPicPr>
+          <p:cNvPr id="3" name="Picture 2">
+            <a:extLst>
+              <a:ext uri="{FF2B5EF4-FFF2-40B4-BE49-F238E27FC236}">
+                <a16:creationId xmlns:a16="http://schemas.microsoft.com/office/drawing/2014/main" id="{A5D481B7-00F2-4B85-807E-13F5A6D476D1}"/>
+              </a:ext>
+            </a:extLst>
+          </p:cNvPr>
+          <p:cNvPicPr>
+            <a:picLocks noChangeAspect="1"/>
+          </p:cNvPicPr>
+          <p:nvPr/>
+        </p:nvPicPr>
+        <p:blipFill>
+          <a:blip r:embed="rId4"/>
+          <a:stretch>
+            <a:fillRect/>
+          </a:stretch>
+        </p:blipFill>
+        <p:spPr>
+          <a:xfrm>
+            <a:off x="3108614" y="1117010"/>
+            <a:ext cx="8278640" cy="4668813"/>
+          </a:xfrm>
+          <a:prstGeom prst="rect">
+            <a:avLst/>
+          </a:prstGeom>
+        </p:spPr>
+      </p:pic>
+      <p:pic>
+        <p:nvPicPr>
+          <p:cNvPr id="4" name="Picture 3">
+            <a:extLst>
+              <a:ext uri="{FF2B5EF4-FFF2-40B4-BE49-F238E27FC236}">
+                <a16:creationId xmlns:a16="http://schemas.microsoft.com/office/drawing/2014/main" id="{A4EE4AEA-AE10-493D-A5BE-8581E0A60947}"/>
+              </a:ext>
+            </a:extLst>
+          </p:cNvPr>
+          <p:cNvPicPr>
+            <a:picLocks noChangeAspect="1"/>
+          </p:cNvPicPr>
+          <p:nvPr/>
+        </p:nvPicPr>
+        <p:blipFill>
+          <a:blip r:embed="rId5"/>
+          <a:stretch>
+            <a:fillRect/>
+          </a:stretch>
+        </p:blipFill>
+        <p:spPr>
+          <a:xfrm>
+            <a:off x="3108614" y="1072177"/>
+            <a:ext cx="8510699" cy="4835986"/>
           </a:xfrm>
           <a:prstGeom prst="rect">
             <a:avLst/>

--- a/powerpoints/4_Service.pptx
+++ b/powerpoints/4_Service.pptx
@@ -216,7 +216,7 @@
           <a:p>
             <a:fld id="{46DC40B4-2992-4900-9122-5021376C8B42}" type="datetimeFigureOut">
               <a:rPr lang="en-US" smtClean="0"/>
-              <a:t>5/30/2019</a:t>
+              <a:t>6/5/2019</a:t>
             </a:fld>
             <a:endParaRPr lang="en-US"/>
           </a:p>
@@ -529,8 +529,36 @@
           <a:p>
             <a:r>
               <a:rPr lang="en-US" dirty="0"/>
-              <a:t>How does Spring manages dependency injection</a:t>
-            </a:r>
+              <a:t>How does Spring manages dependency injection:</a:t>
+            </a:r>
+          </a:p>
+          <a:p>
+            <a:endParaRPr lang="en-US" dirty="0"/>
+          </a:p>
+          <a:p>
+            <a:r>
+              <a:rPr lang="en-US" dirty="0"/>
+              <a:t>Two parts:  </a:t>
+            </a:r>
+            <a:r>
+              <a:rPr lang="en-US" dirty="0" err="1"/>
+              <a:t>IoC</a:t>
+            </a:r>
+            <a:r>
+              <a:rPr lang="en-US" dirty="0"/>
+              <a:t> container is like a big bucket storing all beans/instances + Spring inject the beans to your class based on your </a:t>
+            </a:r>
+            <a:r>
+              <a:rPr lang="en-US" dirty="0" err="1"/>
+              <a:t>autowired</a:t>
+            </a:r>
+            <a:r>
+              <a:rPr lang="en-US" dirty="0"/>
+              <a:t> reference</a:t>
+            </a:r>
+          </a:p>
+          <a:p>
+            <a:endParaRPr lang="en-US" dirty="0"/>
           </a:p>
         </p:txBody>
       </p:sp>
@@ -2107,7 +2135,7 @@
           <a:p>
             <a:fld id="{D91C5C98-252C-4665-81BB-11EE2689C6F7}" type="datetimeFigureOut">
               <a:rPr lang="en-US" smtClean="0"/>
-              <a:t>5/30/2019</a:t>
+              <a:t>6/5/2019</a:t>
             </a:fld>
             <a:endParaRPr lang="en-US"/>
           </a:p>
@@ -2358,7 +2386,7 @@
           <a:p>
             <a:fld id="{D91C5C98-252C-4665-81BB-11EE2689C6F7}" type="datetimeFigureOut">
               <a:rPr lang="en-US" smtClean="0"/>
-              <a:t>5/30/2019</a:t>
+              <a:t>6/5/2019</a:t>
             </a:fld>
             <a:endParaRPr lang="en-US"/>
           </a:p>
@@ -2672,7 +2700,7 @@
           <a:p>
             <a:fld id="{D91C5C98-252C-4665-81BB-11EE2689C6F7}" type="datetimeFigureOut">
               <a:rPr lang="en-US" smtClean="0"/>
-              <a:t>5/30/2019</a:t>
+              <a:t>6/5/2019</a:t>
             </a:fld>
             <a:endParaRPr lang="en-US"/>
           </a:p>
@@ -3005,7 +3033,7 @@
           <a:p>
             <a:fld id="{D91C5C98-252C-4665-81BB-11EE2689C6F7}" type="datetimeFigureOut">
               <a:rPr lang="en-US" smtClean="0"/>
-              <a:t>5/30/2019</a:t>
+              <a:t>6/5/2019</a:t>
             </a:fld>
             <a:endParaRPr lang="en-US"/>
           </a:p>
@@ -3319,7 +3347,7 @@
           <a:p>
             <a:fld id="{D91C5C98-252C-4665-81BB-11EE2689C6F7}" type="datetimeFigureOut">
               <a:rPr lang="en-US" smtClean="0"/>
-              <a:t>5/30/2019</a:t>
+              <a:t>6/5/2019</a:t>
             </a:fld>
             <a:endParaRPr lang="en-US"/>
           </a:p>
@@ -3712,7 +3740,7 @@
           <a:p>
             <a:fld id="{D91C5C98-252C-4665-81BB-11EE2689C6F7}" type="datetimeFigureOut">
               <a:rPr lang="en-US" smtClean="0"/>
-              <a:t>5/30/2019</a:t>
+              <a:t>6/5/2019</a:t>
             </a:fld>
             <a:endParaRPr lang="en-US"/>
           </a:p>
@@ -3882,7 +3910,7 @@
           <a:p>
             <a:fld id="{D91C5C98-252C-4665-81BB-11EE2689C6F7}" type="datetimeFigureOut">
               <a:rPr lang="en-US" smtClean="0"/>
-              <a:t>5/30/2019</a:t>
+              <a:t>6/5/2019</a:t>
             </a:fld>
             <a:endParaRPr lang="en-US"/>
           </a:p>
@@ -4062,7 +4090,7 @@
           <a:p>
             <a:fld id="{D91C5C98-252C-4665-81BB-11EE2689C6F7}" type="datetimeFigureOut">
               <a:rPr lang="en-US" smtClean="0"/>
-              <a:t>5/30/2019</a:t>
+              <a:t>6/5/2019</a:t>
             </a:fld>
             <a:endParaRPr lang="en-US"/>
           </a:p>
@@ -4232,7 +4260,7 @@
           <a:p>
             <a:fld id="{D91C5C98-252C-4665-81BB-11EE2689C6F7}" type="datetimeFigureOut">
               <a:rPr lang="en-US" smtClean="0"/>
-              <a:t>5/30/2019</a:t>
+              <a:t>6/5/2019</a:t>
             </a:fld>
             <a:endParaRPr lang="en-US"/>
           </a:p>
@@ -4479,7 +4507,7 @@
           <a:p>
             <a:fld id="{D91C5C98-252C-4665-81BB-11EE2689C6F7}" type="datetimeFigureOut">
               <a:rPr lang="en-US" smtClean="0"/>
-              <a:t>5/30/2019</a:t>
+              <a:t>6/5/2019</a:t>
             </a:fld>
             <a:endParaRPr lang="en-US"/>
           </a:p>
@@ -4711,7 +4739,7 @@
           <a:p>
             <a:fld id="{D91C5C98-252C-4665-81BB-11EE2689C6F7}" type="datetimeFigureOut">
               <a:rPr lang="en-US" smtClean="0"/>
-              <a:t>5/30/2019</a:t>
+              <a:t>6/5/2019</a:t>
             </a:fld>
             <a:endParaRPr lang="en-US"/>
           </a:p>
@@ -5085,7 +5113,7 @@
           <a:p>
             <a:fld id="{D91C5C98-252C-4665-81BB-11EE2689C6F7}" type="datetimeFigureOut">
               <a:rPr lang="en-US" smtClean="0"/>
-              <a:t>5/30/2019</a:t>
+              <a:t>6/5/2019</a:t>
             </a:fld>
             <a:endParaRPr lang="en-US"/>
           </a:p>
@@ -5208,7 +5236,7 @@
           <a:p>
             <a:fld id="{D91C5C98-252C-4665-81BB-11EE2689C6F7}" type="datetimeFigureOut">
               <a:rPr lang="en-US" smtClean="0"/>
-              <a:t>5/30/2019</a:t>
+              <a:t>6/5/2019</a:t>
             </a:fld>
             <a:endParaRPr lang="en-US"/>
           </a:p>
@@ -5303,7 +5331,7 @@
           <a:p>
             <a:fld id="{D91C5C98-252C-4665-81BB-11EE2689C6F7}" type="datetimeFigureOut">
               <a:rPr lang="en-US" smtClean="0"/>
-              <a:t>5/30/2019</a:t>
+              <a:t>6/5/2019</a:t>
             </a:fld>
             <a:endParaRPr lang="en-US"/>
           </a:p>
@@ -5558,7 +5586,7 @@
           <a:p>
             <a:fld id="{D91C5C98-252C-4665-81BB-11EE2689C6F7}" type="datetimeFigureOut">
               <a:rPr lang="en-US" smtClean="0"/>
-              <a:t>5/30/2019</a:t>
+              <a:t>6/5/2019</a:t>
             </a:fld>
             <a:endParaRPr lang="en-US"/>
           </a:p>
@@ -5863,7 +5891,7 @@
           <a:p>
             <a:fld id="{D91C5C98-252C-4665-81BB-11EE2689C6F7}" type="datetimeFigureOut">
               <a:rPr lang="en-US" smtClean="0"/>
-              <a:t>5/30/2019</a:t>
+              <a:t>6/5/2019</a:t>
             </a:fld>
             <a:endParaRPr lang="en-US"/>
           </a:p>
@@ -6565,7 +6593,7 @@
           <a:p>
             <a:fld id="{D91C5C98-252C-4665-81BB-11EE2689C6F7}" type="datetimeFigureOut">
               <a:rPr lang="en-US" smtClean="0"/>
-              <a:t>5/30/2019</a:t>
+              <a:t>6/5/2019</a:t>
             </a:fld>
             <a:endParaRPr lang="en-US"/>
           </a:p>
@@ -10940,7 +10968,6 @@
               <a:srgbClr val="FFFFFF"/>
             </a:contourClr>
           </a:sp3d>
-          <a:extLst/>
         </p:spPr>
       </p:pic>
     </p:spTree>
@@ -11315,7 +11342,6 @@
               <a:srgbClr val="FFFFFF"/>
             </a:contourClr>
           </a:sp3d>
-          <a:extLst/>
         </p:spPr>
       </p:pic>
     </p:spTree>
